--- a/6 JS cont.pptx
+++ b/6 JS cont.pptx
@@ -343,7 +343,7 @@
           <a:p>
             <a:fld id="{DD7D656C-E092-4C87-BDB6-7C9DFCFF7686}" type="datetimeFigureOut">
               <a:rPr lang="en-US" smtClean="0"/>
-              <a:t>8/8/2017</a:t>
+              <a:t>8/9/2017</a:t>
             </a:fld>
             <a:endParaRPr lang="en-US"/>
           </a:p>
@@ -551,7 +551,7 @@
           <a:p>
             <a:fld id="{DD7D656C-E092-4C87-BDB6-7C9DFCFF7686}" type="datetimeFigureOut">
               <a:rPr lang="en-US" smtClean="0"/>
-              <a:t>8/8/2017</a:t>
+              <a:t>8/9/2017</a:t>
             </a:fld>
             <a:endParaRPr lang="en-US"/>
           </a:p>
@@ -807,7 +807,7 @@
           <a:p>
             <a:fld id="{DD7D656C-E092-4C87-BDB6-7C9DFCFF7686}" type="datetimeFigureOut">
               <a:rPr lang="en-US" smtClean="0"/>
-              <a:t>8/8/2017</a:t>
+              <a:t>8/9/2017</a:t>
             </a:fld>
             <a:endParaRPr lang="en-US"/>
           </a:p>
@@ -981,7 +981,7 @@
           <a:p>
             <a:fld id="{DD7D656C-E092-4C87-BDB6-7C9DFCFF7686}" type="datetimeFigureOut">
               <a:rPr lang="en-US" smtClean="0"/>
-              <a:t>8/8/2017</a:t>
+              <a:t>8/9/2017</a:t>
             </a:fld>
             <a:endParaRPr lang="en-US"/>
           </a:p>
@@ -1324,7 +1324,7 @@
           <a:p>
             <a:fld id="{DD7D656C-E092-4C87-BDB6-7C9DFCFF7686}" type="datetimeFigureOut">
               <a:rPr lang="en-US" smtClean="0"/>
-              <a:t>8/8/2017</a:t>
+              <a:t>8/9/2017</a:t>
             </a:fld>
             <a:endParaRPr lang="en-US"/>
           </a:p>
@@ -1599,7 +1599,7 @@
           <a:p>
             <a:fld id="{DD7D656C-E092-4C87-BDB6-7C9DFCFF7686}" type="datetimeFigureOut">
               <a:rPr lang="en-US" smtClean="0"/>
-              <a:t>8/8/2017</a:t>
+              <a:t>8/9/2017</a:t>
             </a:fld>
             <a:endParaRPr lang="en-US"/>
           </a:p>
@@ -1978,7 +1978,7 @@
           <a:p>
             <a:fld id="{DD7D656C-E092-4C87-BDB6-7C9DFCFF7686}" type="datetimeFigureOut">
               <a:rPr lang="en-US" smtClean="0"/>
-              <a:t>8/8/2017</a:t>
+              <a:t>8/9/2017</a:t>
             </a:fld>
             <a:endParaRPr lang="en-US"/>
           </a:p>
@@ -2096,7 +2096,7 @@
           <a:p>
             <a:fld id="{DD7D656C-E092-4C87-BDB6-7C9DFCFF7686}" type="datetimeFigureOut">
               <a:rPr lang="en-US" smtClean="0"/>
-              <a:t>8/8/2017</a:t>
+              <a:t>8/9/2017</a:t>
             </a:fld>
             <a:endParaRPr lang="en-US"/>
           </a:p>
@@ -2267,7 +2267,7 @@
           <a:p>
             <a:fld id="{DD7D656C-E092-4C87-BDB6-7C9DFCFF7686}" type="datetimeFigureOut">
               <a:rPr lang="en-US" smtClean="0"/>
-              <a:t>8/8/2017</a:t>
+              <a:t>8/9/2017</a:t>
             </a:fld>
             <a:endParaRPr lang="en-US"/>
           </a:p>
@@ -2621,7 +2621,7 @@
           <a:p>
             <a:fld id="{DD7D656C-E092-4C87-BDB6-7C9DFCFF7686}" type="datetimeFigureOut">
               <a:rPr lang="en-US" smtClean="0"/>
-              <a:t>8/8/2017</a:t>
+              <a:t>8/9/2017</a:t>
             </a:fld>
             <a:endParaRPr lang="en-US"/>
           </a:p>
@@ -3003,7 +3003,7 @@
           <a:p>
             <a:fld id="{DD7D656C-E092-4C87-BDB6-7C9DFCFF7686}" type="datetimeFigureOut">
               <a:rPr lang="en-US" smtClean="0"/>
-              <a:t>8/8/2017</a:t>
+              <a:t>8/9/2017</a:t>
             </a:fld>
             <a:endParaRPr lang="en-US"/>
           </a:p>
@@ -3290,7 +3290,7 @@
           <a:p>
             <a:fld id="{DD7D656C-E092-4C87-BDB6-7C9DFCFF7686}" type="datetimeFigureOut">
               <a:rPr lang="en-US" smtClean="0"/>
-              <a:t>8/8/2017</a:t>
+              <a:t>8/9/2017</a:t>
             </a:fld>
             <a:endParaRPr lang="en-US"/>
           </a:p>
@@ -3878,17 +3878,8 @@
             </a:pPr>
             <a:r>
               <a:rPr lang="en-US" dirty="0" smtClean="0"/>
-              <a:t> </a:t>
-            </a:r>
-            <a:r>
-              <a:rPr lang="en-US" dirty="0" smtClean="0"/>
-              <a:t>Conditional </a:t>
-            </a:r>
-            <a:r>
-              <a:rPr lang="en-US" dirty="0" smtClean="0"/>
-              <a:t>Statements and Loops</a:t>
-            </a:r>
-            <a:endParaRPr lang="en-US" dirty="0" smtClean="0"/>
+              <a:t> Conditional Statements and Loops</a:t>
+            </a:r>
           </a:p>
           <a:p>
             <a:pPr>
@@ -3917,7 +3908,6 @@
               <a:rPr lang="en-US" sz="2000" dirty="0" smtClean="0"/>
               <a:t>DOM Manipulation</a:t>
             </a:r>
-            <a:endParaRPr lang="en-US" sz="2000" dirty="0" smtClean="0"/>
           </a:p>
         </p:txBody>
       </p:sp>
@@ -8102,11 +8092,7 @@
             </a:pPr>
             <a:r>
               <a:rPr lang="en-US" dirty="0" smtClean="0"/>
-              <a:t>Conditional </a:t>
-            </a:r>
-            <a:r>
-              <a:rPr lang="en-US" dirty="0" smtClean="0"/>
-              <a:t>statements and loops</a:t>
+              <a:t>Conditional statements and loops</a:t>
             </a:r>
           </a:p>
           <a:p>
